--- a/typescript/TypeScript-Presentation.pptx
+++ b/typescript/TypeScript-Presentation.pptx
@@ -5,14 +5,18 @@
     <p:sldMasterId id="2147483648" r:id="rId1"/>
   </p:sldMasterIdLst>
   <p:notesMasterIdLst>
-    <p:notesMasterId r:id="rId7"/>
+    <p:notesMasterId r:id="rId11"/>
   </p:notesMasterIdLst>
   <p:sldIdLst>
     <p:sldId id="278" r:id="rId2"/>
     <p:sldId id="288" r:id="rId3"/>
     <p:sldId id="318" r:id="rId4"/>
     <p:sldId id="317" r:id="rId5"/>
-    <p:sldId id="304" r:id="rId6"/>
+    <p:sldId id="319" r:id="rId6"/>
+    <p:sldId id="320" r:id="rId7"/>
+    <p:sldId id="321" r:id="rId8"/>
+    <p:sldId id="322" r:id="rId9"/>
+    <p:sldId id="304" r:id="rId10"/>
   </p:sldIdLst>
   <p:sldSz cx="12192000" cy="6858000"/>
   <p:notesSz cx="6858000" cy="9144000"/>
@@ -201,7 +205,7 @@
           <a:p>
             <a:fld id="{53D551F1-3E25-2744-9BE7-0A04F579F8FB}" type="datetimeFigureOut">
               <a:rPr lang="en-US" smtClean="0"/>
-              <a:t>4/12/21</a:t>
+              <a:t>4/13/21</a:t>
             </a:fld>
             <a:endParaRPr lang="en-US"/>
           </a:p>
@@ -513,10 +517,7 @@
           <a:bodyPr/>
           <a:lstStyle/>
           <a:p>
-            <a:r>
-              <a:rPr lang="en-US" dirty="0"/>
-              <a:t>Explain the backend code here</a:t>
-            </a:r>
+            <a:endParaRPr lang="en-US" dirty="0"/>
           </a:p>
         </p:txBody>
       </p:sp>
@@ -527,17 +528,17 @@
             <a:spLocks noGrp="1"/>
           </p:cNvSpPr>
           <p:nvPr>
-            <p:ph type="sldNum" sz="quarter" idx="10"/>
-          </p:nvPr>
-        </p:nvSpPr>
-        <p:spPr/>
-        <p:txBody>
-          <a:bodyPr/>
-          <a:lstStyle/>
-          <a:p>
-            <a:fld id="{A008DDF4-253B-4E36-BE28-46B8E6426B7B}" type="slidenum">
+            <p:ph type="sldNum" sz="quarter" idx="5"/>
+          </p:nvPr>
+        </p:nvSpPr>
+        <p:spPr/>
+        <p:txBody>
+          <a:bodyPr/>
+          <a:lstStyle/>
+          <a:p>
+            <a:fld id="{CDDFCC0C-D0C0-7443-B7C0-AFE35D3A82E0}" type="slidenum">
               <a:rPr lang="en-US" smtClean="0"/>
-              <a:t>2</a:t>
+              <a:t>1</a:t>
             </a:fld>
             <a:endParaRPr lang="en-US"/>
           </a:p>
@@ -546,7 +547,7 @@
     </p:spTree>
     <p:extLst>
       <p:ext uri="{BB962C8B-B14F-4D97-AF65-F5344CB8AC3E}">
-        <p14:creationId xmlns:p14="http://schemas.microsoft.com/office/powerpoint/2010/main" val="869934864"/>
+        <p14:creationId xmlns:p14="http://schemas.microsoft.com/office/powerpoint/2010/main" val="1450317361"/>
       </p:ext>
     </p:extLst>
   </p:cSld>
@@ -600,10 +601,7 @@
           <a:bodyPr/>
           <a:lstStyle/>
           <a:p>
-            <a:r>
-              <a:rPr lang="en-US" dirty="0"/>
-              <a:t>Explain the backend code here</a:t>
-            </a:r>
+            <a:endParaRPr lang="en-US" dirty="0"/>
           </a:p>
         </p:txBody>
       </p:sp>
@@ -624,7 +622,7 @@
           <a:p>
             <a:fld id="{A008DDF4-253B-4E36-BE28-46B8E6426B7B}" type="slidenum">
               <a:rPr lang="en-US" smtClean="0"/>
-              <a:t>3</a:t>
+              <a:t>2</a:t>
             </a:fld>
             <a:endParaRPr lang="en-US"/>
           </a:p>
@@ -633,7 +631,7 @@
     </p:spTree>
     <p:extLst>
       <p:ext uri="{BB962C8B-B14F-4D97-AF65-F5344CB8AC3E}">
-        <p14:creationId xmlns:p14="http://schemas.microsoft.com/office/powerpoint/2010/main" val="2422701300"/>
+        <p14:creationId xmlns:p14="http://schemas.microsoft.com/office/powerpoint/2010/main" val="869934864"/>
       </p:ext>
     </p:extLst>
   </p:cSld>
@@ -711,6 +709,117 @@
           <a:p>
             <a:fld id="{A008DDF4-253B-4E36-BE28-46B8E6426B7B}" type="slidenum">
               <a:rPr lang="en-US" smtClean="0"/>
+              <a:t>3</a:t>
+            </a:fld>
+            <a:endParaRPr lang="en-US"/>
+          </a:p>
+        </p:txBody>
+      </p:sp>
+    </p:spTree>
+    <p:extLst>
+      <p:ext uri="{BB962C8B-B14F-4D97-AF65-F5344CB8AC3E}">
+        <p14:creationId xmlns:p14="http://schemas.microsoft.com/office/powerpoint/2010/main" val="2422701300"/>
+      </p:ext>
+    </p:extLst>
+  </p:cSld>
+  <p:clrMapOvr>
+    <a:masterClrMapping/>
+  </p:clrMapOvr>
+</p:notes>
+</file>
+
+<file path=ppt/notesSlides/notesSlide4.xml><?xml version="1.0" encoding="utf-8"?>
+<p:notes xmlns:a="http://schemas.openxmlformats.org/drawingml/2006/main" xmlns:r="http://schemas.openxmlformats.org/officeDocument/2006/relationships" xmlns:p="http://schemas.openxmlformats.org/presentationml/2006/main">
+  <p:cSld>
+    <p:spTree>
+      <p:nvGrpSpPr>
+        <p:cNvPr id="1" name=""/>
+        <p:cNvGrpSpPr/>
+        <p:nvPr/>
+      </p:nvGrpSpPr>
+      <p:grpSpPr>
+        <a:xfrm>
+          <a:off x="0" y="0"/>
+          <a:ext cx="0" cy="0"/>
+          <a:chOff x="0" y="0"/>
+          <a:chExt cx="0" cy="0"/>
+        </a:xfrm>
+      </p:grpSpPr>
+      <p:sp>
+        <p:nvSpPr>
+          <p:cNvPr id="2" name="Slide Image Placeholder 1"/>
+          <p:cNvSpPr>
+            <a:spLocks noGrp="1" noRot="1" noChangeAspect="1"/>
+          </p:cNvSpPr>
+          <p:nvPr>
+            <p:ph type="sldImg"/>
+          </p:nvPr>
+        </p:nvSpPr>
+        <p:spPr/>
+      </p:sp>
+      <p:sp>
+        <p:nvSpPr>
+          <p:cNvPr id="3" name="Notes Placeholder 2"/>
+          <p:cNvSpPr>
+            <a:spLocks noGrp="1"/>
+          </p:cNvSpPr>
+          <p:nvPr>
+            <p:ph type="body" idx="1"/>
+          </p:nvPr>
+        </p:nvSpPr>
+        <p:spPr/>
+        <p:txBody>
+          <a:bodyPr/>
+          <a:lstStyle/>
+          <a:p>
+            <a:pPr marL="171450" indent="-171450">
+              <a:buFontTx/>
+              <a:buChar char="-"/>
+            </a:pPr>
+            <a:r>
+              <a:rPr lang="en-US" dirty="0"/>
+              <a:t>TypeScript wasn’t developed by Microsoft to act as a substitute for JavaScript, but just to make the development experience better when creating web applications.</a:t>
+            </a:r>
+          </a:p>
+          <a:p>
+            <a:pPr marL="171450" indent="-171450">
+              <a:buFontTx/>
+              <a:buChar char="-"/>
+            </a:pPr>
+            <a:r>
+              <a:rPr lang="en-US" dirty="0"/>
+              <a:t>Since it’s a super-set, we can do everything that’s possible with JavaScript (syntax-wise) plus more.</a:t>
+            </a:r>
+          </a:p>
+          <a:p>
+            <a:pPr marL="171450" indent="-171450">
+              <a:buFontTx/>
+              <a:buChar char="-"/>
+            </a:pPr>
+            <a:r>
+              <a:rPr lang="en-US" dirty="0"/>
+              <a:t>The migration strategy (converting your codebase to TypeScript) is simple – but we will come back to that later.</a:t>
+            </a:r>
+          </a:p>
+        </p:txBody>
+      </p:sp>
+      <p:sp>
+        <p:nvSpPr>
+          <p:cNvPr id="4" name="Slide Number Placeholder 3"/>
+          <p:cNvSpPr>
+            <a:spLocks noGrp="1"/>
+          </p:cNvSpPr>
+          <p:nvPr>
+            <p:ph type="sldNum" sz="quarter" idx="10"/>
+          </p:nvPr>
+        </p:nvSpPr>
+        <p:spPr/>
+        <p:txBody>
+          <a:bodyPr/>
+          <a:lstStyle/>
+          <a:p>
+            <a:fld id="{A008DDF4-253B-4E36-BE28-46B8E6426B7B}" type="slidenum">
+              <a:rPr lang="en-US" smtClean="0"/>
               <a:t>4</a:t>
             </a:fld>
             <a:endParaRPr lang="en-US"/>
@@ -721,6 +830,559 @@
     <p:extLst>
       <p:ext uri="{BB962C8B-B14F-4D97-AF65-F5344CB8AC3E}">
         <p14:creationId xmlns:p14="http://schemas.microsoft.com/office/powerpoint/2010/main" val="1308790119"/>
+      </p:ext>
+    </p:extLst>
+  </p:cSld>
+  <p:clrMapOvr>
+    <a:masterClrMapping/>
+  </p:clrMapOvr>
+</p:notes>
+</file>
+
+<file path=ppt/notesSlides/notesSlide5.xml><?xml version="1.0" encoding="utf-8"?>
+<p:notes xmlns:a="http://schemas.openxmlformats.org/drawingml/2006/main" xmlns:r="http://schemas.openxmlformats.org/officeDocument/2006/relationships" xmlns:p="http://schemas.openxmlformats.org/presentationml/2006/main">
+  <p:cSld>
+    <p:spTree>
+      <p:nvGrpSpPr>
+        <p:cNvPr id="1" name=""/>
+        <p:cNvGrpSpPr/>
+        <p:nvPr/>
+      </p:nvGrpSpPr>
+      <p:grpSpPr>
+        <a:xfrm>
+          <a:off x="0" y="0"/>
+          <a:ext cx="0" cy="0"/>
+          <a:chOff x="0" y="0"/>
+          <a:chExt cx="0" cy="0"/>
+        </a:xfrm>
+      </p:grpSpPr>
+      <p:sp>
+        <p:nvSpPr>
+          <p:cNvPr id="2" name="Slide Image Placeholder 1"/>
+          <p:cNvSpPr>
+            <a:spLocks noGrp="1" noRot="1" noChangeAspect="1"/>
+          </p:cNvSpPr>
+          <p:nvPr>
+            <p:ph type="sldImg"/>
+          </p:nvPr>
+        </p:nvSpPr>
+        <p:spPr/>
+      </p:sp>
+      <p:sp>
+        <p:nvSpPr>
+          <p:cNvPr id="3" name="Notes Placeholder 2"/>
+          <p:cNvSpPr>
+            <a:spLocks noGrp="1"/>
+          </p:cNvSpPr>
+          <p:nvPr>
+            <p:ph type="body" idx="1"/>
+          </p:nvPr>
+        </p:nvSpPr>
+        <p:spPr/>
+        <p:txBody>
+          <a:bodyPr/>
+          <a:lstStyle/>
+          <a:p>
+            <a:pPr marL="171450" indent="-171450">
+              <a:buFontTx/>
+              <a:buChar char="-"/>
+            </a:pPr>
+            <a:r>
+              <a:rPr lang="en-US" dirty="0"/>
+              <a:t>Event Listeners – events are exactly what it suggests, and we need a way to deal with an event when it occurs.</a:t>
+            </a:r>
+          </a:p>
+          <a:p>
+            <a:pPr marL="628650" lvl="1" indent="-171450">
+              <a:buFontTx/>
+              <a:buChar char="-"/>
+            </a:pPr>
+            <a:r>
+              <a:rPr lang="en-US" dirty="0"/>
+              <a:t>Pressing a key on your keyboard or clicking a button on the screen should do something.</a:t>
+            </a:r>
+          </a:p>
+          <a:p>
+            <a:pPr marL="171450" lvl="0" indent="-171450">
+              <a:buFontTx/>
+              <a:buChar char="-"/>
+            </a:pPr>
+            <a:r>
+              <a:rPr lang="en-US" dirty="0"/>
+              <a:t>D.O.M Manipulation – the listener would add or remove a section on the webpage so its not static.</a:t>
+            </a:r>
+          </a:p>
+          <a:p>
+            <a:pPr marL="171450" lvl="0" indent="-171450">
+              <a:buFontTx/>
+              <a:buChar char="-"/>
+            </a:pPr>
+            <a:r>
+              <a:rPr lang="en-US" dirty="0"/>
+              <a:t>Animations or Interactivity – mounting or dismounting menus at the top of the screen.</a:t>
+            </a:r>
+          </a:p>
+        </p:txBody>
+      </p:sp>
+      <p:sp>
+        <p:nvSpPr>
+          <p:cNvPr id="4" name="Slide Number Placeholder 3"/>
+          <p:cNvSpPr>
+            <a:spLocks noGrp="1"/>
+          </p:cNvSpPr>
+          <p:nvPr>
+            <p:ph type="sldNum" sz="quarter" idx="10"/>
+          </p:nvPr>
+        </p:nvSpPr>
+        <p:spPr/>
+        <p:txBody>
+          <a:bodyPr/>
+          <a:lstStyle/>
+          <a:p>
+            <a:fld id="{A008DDF4-253B-4E36-BE28-46B8E6426B7B}" type="slidenum">
+              <a:rPr lang="en-US" smtClean="0"/>
+              <a:t>5</a:t>
+            </a:fld>
+            <a:endParaRPr lang="en-US"/>
+          </a:p>
+        </p:txBody>
+      </p:sp>
+    </p:spTree>
+    <p:extLst>
+      <p:ext uri="{BB962C8B-B14F-4D97-AF65-F5344CB8AC3E}">
+        <p14:creationId xmlns:p14="http://schemas.microsoft.com/office/powerpoint/2010/main" val="3219934493"/>
+      </p:ext>
+    </p:extLst>
+  </p:cSld>
+  <p:clrMapOvr>
+    <a:masterClrMapping/>
+  </p:clrMapOvr>
+</p:notes>
+</file>
+
+<file path=ppt/notesSlides/notesSlide6.xml><?xml version="1.0" encoding="utf-8"?>
+<p:notes xmlns:a="http://schemas.openxmlformats.org/drawingml/2006/main" xmlns:r="http://schemas.openxmlformats.org/officeDocument/2006/relationships" xmlns:p="http://schemas.openxmlformats.org/presentationml/2006/main">
+  <p:cSld>
+    <p:spTree>
+      <p:nvGrpSpPr>
+        <p:cNvPr id="1" name=""/>
+        <p:cNvGrpSpPr/>
+        <p:nvPr/>
+      </p:nvGrpSpPr>
+      <p:grpSpPr>
+        <a:xfrm>
+          <a:off x="0" y="0"/>
+          <a:ext cx="0" cy="0"/>
+          <a:chOff x="0" y="0"/>
+          <a:chExt cx="0" cy="0"/>
+        </a:xfrm>
+      </p:grpSpPr>
+      <p:sp>
+        <p:nvSpPr>
+          <p:cNvPr id="2" name="Slide Image Placeholder 1"/>
+          <p:cNvSpPr>
+            <a:spLocks noGrp="1" noRot="1" noChangeAspect="1"/>
+          </p:cNvSpPr>
+          <p:nvPr>
+            <p:ph type="sldImg"/>
+          </p:nvPr>
+        </p:nvSpPr>
+        <p:spPr/>
+      </p:sp>
+      <p:sp>
+        <p:nvSpPr>
+          <p:cNvPr id="3" name="Notes Placeholder 2"/>
+          <p:cNvSpPr>
+            <a:spLocks noGrp="1"/>
+          </p:cNvSpPr>
+          <p:nvPr>
+            <p:ph type="body" idx="1"/>
+          </p:nvPr>
+        </p:nvSpPr>
+        <p:spPr/>
+        <p:txBody>
+          <a:bodyPr/>
+          <a:lstStyle/>
+          <a:p>
+            <a:pPr marL="171450" indent="-171450">
+              <a:buFontTx/>
+              <a:buChar char="-"/>
+            </a:pPr>
+            <a:r>
+              <a:rPr lang="en-US" dirty="0"/>
+              <a:t>Event Listeners – events are exactly what it suggests, and we need a way to deal with an event when it occurs.</a:t>
+            </a:r>
+          </a:p>
+          <a:p>
+            <a:pPr marL="628650" lvl="1" indent="-171450">
+              <a:buFontTx/>
+              <a:buChar char="-"/>
+            </a:pPr>
+            <a:r>
+              <a:rPr lang="en-US" dirty="0"/>
+              <a:t>Pressing a key on your keyboard or clicking a button on the screen should do something.</a:t>
+            </a:r>
+          </a:p>
+          <a:p>
+            <a:pPr marL="171450" lvl="0" indent="-171450">
+              <a:buFontTx/>
+              <a:buChar char="-"/>
+            </a:pPr>
+            <a:r>
+              <a:rPr lang="en-US" dirty="0"/>
+              <a:t>D.O.M Manipulation – the listener would add or remove a section on the webpage so its not static.</a:t>
+            </a:r>
+          </a:p>
+          <a:p>
+            <a:pPr marL="171450" lvl="0" indent="-171450">
+              <a:buFontTx/>
+              <a:buChar char="-"/>
+            </a:pPr>
+            <a:r>
+              <a:rPr lang="en-US" dirty="0"/>
+              <a:t>Animations or Interactivity – mounting or dismounting menus at the top of the screen.</a:t>
+            </a:r>
+          </a:p>
+        </p:txBody>
+      </p:sp>
+      <p:sp>
+        <p:nvSpPr>
+          <p:cNvPr id="4" name="Slide Number Placeholder 3"/>
+          <p:cNvSpPr>
+            <a:spLocks noGrp="1"/>
+          </p:cNvSpPr>
+          <p:nvPr>
+            <p:ph type="sldNum" sz="quarter" idx="10"/>
+          </p:nvPr>
+        </p:nvSpPr>
+        <p:spPr/>
+        <p:txBody>
+          <a:bodyPr/>
+          <a:lstStyle/>
+          <a:p>
+            <a:fld id="{A008DDF4-253B-4E36-BE28-46B8E6426B7B}" type="slidenum">
+              <a:rPr lang="en-US" smtClean="0"/>
+              <a:t>6</a:t>
+            </a:fld>
+            <a:endParaRPr lang="en-US"/>
+          </a:p>
+        </p:txBody>
+      </p:sp>
+    </p:spTree>
+    <p:extLst>
+      <p:ext uri="{BB962C8B-B14F-4D97-AF65-F5344CB8AC3E}">
+        <p14:creationId xmlns:p14="http://schemas.microsoft.com/office/powerpoint/2010/main" val="2157085820"/>
+      </p:ext>
+    </p:extLst>
+  </p:cSld>
+  <p:clrMapOvr>
+    <a:masterClrMapping/>
+  </p:clrMapOvr>
+</p:notes>
+</file>
+
+<file path=ppt/notesSlides/notesSlide7.xml><?xml version="1.0" encoding="utf-8"?>
+<p:notes xmlns:a="http://schemas.openxmlformats.org/drawingml/2006/main" xmlns:r="http://schemas.openxmlformats.org/officeDocument/2006/relationships" xmlns:p="http://schemas.openxmlformats.org/presentationml/2006/main">
+  <p:cSld>
+    <p:spTree>
+      <p:nvGrpSpPr>
+        <p:cNvPr id="1" name=""/>
+        <p:cNvGrpSpPr/>
+        <p:nvPr/>
+      </p:nvGrpSpPr>
+      <p:grpSpPr>
+        <a:xfrm>
+          <a:off x="0" y="0"/>
+          <a:ext cx="0" cy="0"/>
+          <a:chOff x="0" y="0"/>
+          <a:chExt cx="0" cy="0"/>
+        </a:xfrm>
+      </p:grpSpPr>
+      <p:sp>
+        <p:nvSpPr>
+          <p:cNvPr id="2" name="Slide Image Placeholder 1"/>
+          <p:cNvSpPr>
+            <a:spLocks noGrp="1" noRot="1" noChangeAspect="1"/>
+          </p:cNvSpPr>
+          <p:nvPr>
+            <p:ph type="sldImg"/>
+          </p:nvPr>
+        </p:nvSpPr>
+        <p:spPr/>
+      </p:sp>
+      <p:sp>
+        <p:nvSpPr>
+          <p:cNvPr id="3" name="Notes Placeholder 2"/>
+          <p:cNvSpPr>
+            <a:spLocks noGrp="1"/>
+          </p:cNvSpPr>
+          <p:nvPr>
+            <p:ph type="body" idx="1"/>
+          </p:nvPr>
+        </p:nvSpPr>
+        <p:spPr/>
+        <p:txBody>
+          <a:bodyPr/>
+          <a:lstStyle/>
+          <a:p>
+            <a:pPr marL="171450" indent="-171450">
+              <a:buFontTx/>
+              <a:buChar char="-"/>
+            </a:pPr>
+            <a:r>
+              <a:rPr lang="en-US" dirty="0"/>
+              <a:t>As JavaScript has evolved throughout these years, there have been problems regarding its syntax during some edge-cases.</a:t>
+            </a:r>
+          </a:p>
+          <a:p>
+            <a:pPr marL="171450" indent="-171450">
+              <a:buFontTx/>
+              <a:buChar char="-"/>
+            </a:pPr>
+            <a:r>
+              <a:rPr lang="en-US" dirty="0"/>
+              <a:t>Scale of the application</a:t>
+            </a:r>
+          </a:p>
+          <a:p>
+            <a:pPr marL="628650" marR="0" lvl="1" indent="-171450" algn="l" defTabSz="914400" rtl="0" eaLnBrk="1" fontAlgn="auto" latinLnBrk="0" hangingPunct="1">
+              <a:lnSpc>
+                <a:spcPct val="100000"/>
+              </a:lnSpc>
+              <a:spcBef>
+                <a:spcPts val="0"/>
+              </a:spcBef>
+              <a:spcAft>
+                <a:spcPts val="0"/>
+              </a:spcAft>
+              <a:buClrTx/>
+              <a:buSzTx/>
+              <a:buFontTx/>
+              <a:buChar char="-"/>
+              <a:tabLst/>
+              <a:defRPr/>
+            </a:pPr>
+            <a:r>
+              <a:rPr lang="en-US" dirty="0"/>
+              <a:t>These problems are completely fine to deal with in personal-projects, because the programs are relatively small and you’re the only developer working.</a:t>
+            </a:r>
+          </a:p>
+          <a:p>
+            <a:pPr marL="1085850" marR="0" lvl="2" indent="-171450" algn="l" defTabSz="914400" rtl="0" eaLnBrk="1" fontAlgn="auto" latinLnBrk="0" hangingPunct="1">
+              <a:lnSpc>
+                <a:spcPct val="100000"/>
+              </a:lnSpc>
+              <a:spcBef>
+                <a:spcPts val="0"/>
+              </a:spcBef>
+              <a:spcAft>
+                <a:spcPts val="0"/>
+              </a:spcAft>
+              <a:buClrTx/>
+              <a:buSzTx/>
+              <a:buFontTx/>
+              <a:buChar char="-"/>
+              <a:tabLst/>
+              <a:defRPr/>
+            </a:pPr>
+            <a:r>
+              <a:rPr lang="en-US" dirty="0"/>
+              <a:t>If you made a change yesterday, you know exactly what the problem is.</a:t>
+            </a:r>
+          </a:p>
+          <a:p>
+            <a:pPr marL="1085850" marR="0" lvl="2" indent="-171450" algn="l" defTabSz="914400" rtl="0" eaLnBrk="1" fontAlgn="auto" latinLnBrk="0" hangingPunct="1">
+              <a:lnSpc>
+                <a:spcPct val="100000"/>
+              </a:lnSpc>
+              <a:spcBef>
+                <a:spcPts val="0"/>
+              </a:spcBef>
+              <a:spcAft>
+                <a:spcPts val="0"/>
+              </a:spcAft>
+              <a:buClrTx/>
+              <a:buSzTx/>
+              <a:buFontTx/>
+              <a:buChar char="-"/>
+              <a:tabLst/>
+              <a:defRPr/>
+            </a:pPr>
+            <a:r>
+              <a:rPr lang="en-US" dirty="0"/>
+              <a:t>Imagine yourself in a situation where there are literally hundred developers working on the same project.</a:t>
+            </a:r>
+          </a:p>
+          <a:p>
+            <a:pPr marL="171450" marR="0" lvl="0" indent="-171450" algn="l" defTabSz="914400" rtl="0" eaLnBrk="1" fontAlgn="auto" latinLnBrk="0" hangingPunct="1">
+              <a:lnSpc>
+                <a:spcPct val="100000"/>
+              </a:lnSpc>
+              <a:spcBef>
+                <a:spcPts val="0"/>
+              </a:spcBef>
+              <a:spcAft>
+                <a:spcPts val="0"/>
+              </a:spcAft>
+              <a:buClrTx/>
+              <a:buSzTx/>
+              <a:buFontTx/>
+              <a:buChar char="-"/>
+              <a:tabLst/>
+              <a:defRPr/>
+            </a:pPr>
+            <a:r>
+              <a:rPr lang="en-US" dirty="0"/>
+              <a:t>Let’s consider some of the common problems you could encounter.</a:t>
+            </a:r>
+          </a:p>
+          <a:p>
+            <a:pPr marL="628650" marR="0" lvl="1" indent="-171450" algn="l" defTabSz="914400" rtl="0" eaLnBrk="1" fontAlgn="auto" latinLnBrk="0" hangingPunct="1">
+              <a:lnSpc>
+                <a:spcPct val="100000"/>
+              </a:lnSpc>
+              <a:spcBef>
+                <a:spcPts val="0"/>
+              </a:spcBef>
+              <a:spcAft>
+                <a:spcPts val="0"/>
+              </a:spcAft>
+              <a:buClrTx/>
+              <a:buSzTx/>
+              <a:buFontTx/>
+              <a:buChar char="-"/>
+              <a:tabLst/>
+              <a:defRPr/>
+            </a:pPr>
+            <a:r>
+              <a:rPr lang="en-US" dirty="0"/>
+              <a:t>Note these are only a minute proportion of what you could get.</a:t>
+            </a:r>
+          </a:p>
+          <a:p>
+            <a:pPr marL="628650" lvl="1" indent="-171450">
+              <a:buFontTx/>
+              <a:buChar char="-"/>
+            </a:pPr>
+            <a:endParaRPr lang="en-US" dirty="0"/>
+          </a:p>
+        </p:txBody>
+      </p:sp>
+      <p:sp>
+        <p:nvSpPr>
+          <p:cNvPr id="4" name="Slide Number Placeholder 3"/>
+          <p:cNvSpPr>
+            <a:spLocks noGrp="1"/>
+          </p:cNvSpPr>
+          <p:nvPr>
+            <p:ph type="sldNum" sz="quarter" idx="10"/>
+          </p:nvPr>
+        </p:nvSpPr>
+        <p:spPr/>
+        <p:txBody>
+          <a:bodyPr/>
+          <a:lstStyle/>
+          <a:p>
+            <a:fld id="{A008DDF4-253B-4E36-BE28-46B8E6426B7B}" type="slidenum">
+              <a:rPr lang="en-US" smtClean="0"/>
+              <a:t>7</a:t>
+            </a:fld>
+            <a:endParaRPr lang="en-US"/>
+          </a:p>
+        </p:txBody>
+      </p:sp>
+    </p:spTree>
+    <p:extLst>
+      <p:ext uri="{BB962C8B-B14F-4D97-AF65-F5344CB8AC3E}">
+        <p14:creationId xmlns:p14="http://schemas.microsoft.com/office/powerpoint/2010/main" val="1247476146"/>
+      </p:ext>
+    </p:extLst>
+  </p:cSld>
+  <p:clrMapOvr>
+    <a:masterClrMapping/>
+  </p:clrMapOvr>
+</p:notes>
+</file>
+
+<file path=ppt/notesSlides/notesSlide8.xml><?xml version="1.0" encoding="utf-8"?>
+<p:notes xmlns:a="http://schemas.openxmlformats.org/drawingml/2006/main" xmlns:r="http://schemas.openxmlformats.org/officeDocument/2006/relationships" xmlns:p="http://schemas.openxmlformats.org/presentationml/2006/main">
+  <p:cSld>
+    <p:spTree>
+      <p:nvGrpSpPr>
+        <p:cNvPr id="1" name=""/>
+        <p:cNvGrpSpPr/>
+        <p:nvPr/>
+      </p:nvGrpSpPr>
+      <p:grpSpPr>
+        <a:xfrm>
+          <a:off x="0" y="0"/>
+          <a:ext cx="0" cy="0"/>
+          <a:chOff x="0" y="0"/>
+          <a:chExt cx="0" cy="0"/>
+        </a:xfrm>
+      </p:grpSpPr>
+      <p:sp>
+        <p:nvSpPr>
+          <p:cNvPr id="2" name="Slide Image Placeholder 1"/>
+          <p:cNvSpPr>
+            <a:spLocks noGrp="1" noRot="1" noChangeAspect="1"/>
+          </p:cNvSpPr>
+          <p:nvPr>
+            <p:ph type="sldImg"/>
+          </p:nvPr>
+        </p:nvSpPr>
+        <p:spPr/>
+      </p:sp>
+      <p:sp>
+        <p:nvSpPr>
+          <p:cNvPr id="3" name="Notes Placeholder 2"/>
+          <p:cNvSpPr>
+            <a:spLocks noGrp="1"/>
+          </p:cNvSpPr>
+          <p:nvPr>
+            <p:ph type="body" idx="1"/>
+          </p:nvPr>
+        </p:nvSpPr>
+        <p:spPr/>
+        <p:txBody>
+          <a:bodyPr/>
+          <a:lstStyle/>
+          <a:p>
+            <a:pPr marL="628650" lvl="1" indent="-171450">
+              <a:buFontTx/>
+              <a:buChar char="-"/>
+            </a:pPr>
+            <a:endParaRPr lang="en-US" dirty="0"/>
+          </a:p>
+        </p:txBody>
+      </p:sp>
+      <p:sp>
+        <p:nvSpPr>
+          <p:cNvPr id="4" name="Slide Number Placeholder 3"/>
+          <p:cNvSpPr>
+            <a:spLocks noGrp="1"/>
+          </p:cNvSpPr>
+          <p:nvPr>
+            <p:ph type="sldNum" sz="quarter" idx="10"/>
+          </p:nvPr>
+        </p:nvSpPr>
+        <p:spPr/>
+        <p:txBody>
+          <a:bodyPr/>
+          <a:lstStyle/>
+          <a:p>
+            <a:fld id="{A008DDF4-253B-4E36-BE28-46B8E6426B7B}" type="slidenum">
+              <a:rPr lang="en-US" smtClean="0"/>
+              <a:t>8</a:t>
+            </a:fld>
+            <a:endParaRPr lang="en-US"/>
+          </a:p>
+        </p:txBody>
+      </p:sp>
+    </p:spTree>
+    <p:extLst>
+      <p:ext uri="{BB962C8B-B14F-4D97-AF65-F5344CB8AC3E}">
+        <p14:creationId xmlns:p14="http://schemas.microsoft.com/office/powerpoint/2010/main" val="162049002"/>
       </p:ext>
     </p:extLst>
   </p:cSld>
@@ -861,7 +1523,7 @@
           <a:p>
             <a:fld id="{F4356D17-FE2B-4A42-AE6B-E0B8894B79EA}" type="datetimeFigureOut">
               <a:rPr lang="en-US" smtClean="0"/>
-              <a:t>4/12/21</a:t>
+              <a:t>4/13/21</a:t>
             </a:fld>
             <a:endParaRPr lang="en-US"/>
           </a:p>
@@ -1031,7 +1693,7 @@
           <a:p>
             <a:fld id="{F4356D17-FE2B-4A42-AE6B-E0B8894B79EA}" type="datetimeFigureOut">
               <a:rPr lang="en-US" smtClean="0"/>
-              <a:t>4/12/21</a:t>
+              <a:t>4/13/21</a:t>
             </a:fld>
             <a:endParaRPr lang="en-US"/>
           </a:p>
@@ -1211,7 +1873,7 @@
           <a:p>
             <a:fld id="{F4356D17-FE2B-4A42-AE6B-E0B8894B79EA}" type="datetimeFigureOut">
               <a:rPr lang="en-US" smtClean="0"/>
-              <a:t>4/12/21</a:t>
+              <a:t>4/13/21</a:t>
             </a:fld>
             <a:endParaRPr lang="en-US"/>
           </a:p>
@@ -1563,7 +2225,7 @@
           <a:p>
             <a:fld id="{F4356D17-FE2B-4A42-AE6B-E0B8894B79EA}" type="datetimeFigureOut">
               <a:rPr lang="en-US" smtClean="0"/>
-              <a:t>4/12/21</a:t>
+              <a:t>4/13/21</a:t>
             </a:fld>
             <a:endParaRPr lang="en-US"/>
           </a:p>
@@ -1809,7 +2471,7 @@
           <a:p>
             <a:fld id="{F4356D17-FE2B-4A42-AE6B-E0B8894B79EA}" type="datetimeFigureOut">
               <a:rPr lang="en-US" smtClean="0"/>
-              <a:t>4/12/21</a:t>
+              <a:t>4/13/21</a:t>
             </a:fld>
             <a:endParaRPr lang="en-US"/>
           </a:p>
@@ -2041,7 +2703,7 @@
           <a:p>
             <a:fld id="{F4356D17-FE2B-4A42-AE6B-E0B8894B79EA}" type="datetimeFigureOut">
               <a:rPr lang="en-US" smtClean="0"/>
-              <a:t>4/12/21</a:t>
+              <a:t>4/13/21</a:t>
             </a:fld>
             <a:endParaRPr lang="en-US"/>
           </a:p>
@@ -2408,7 +3070,7 @@
           <a:p>
             <a:fld id="{F4356D17-FE2B-4A42-AE6B-E0B8894B79EA}" type="datetimeFigureOut">
               <a:rPr lang="en-US" smtClean="0"/>
-              <a:t>4/12/21</a:t>
+              <a:t>4/13/21</a:t>
             </a:fld>
             <a:endParaRPr lang="en-US"/>
           </a:p>
@@ -2526,7 +3188,7 @@
           <a:p>
             <a:fld id="{F4356D17-FE2B-4A42-AE6B-E0B8894B79EA}" type="datetimeFigureOut">
               <a:rPr lang="en-US" smtClean="0"/>
-              <a:t>4/12/21</a:t>
+              <a:t>4/13/21</a:t>
             </a:fld>
             <a:endParaRPr lang="en-US"/>
           </a:p>
@@ -2621,7 +3283,7 @@
           <a:p>
             <a:fld id="{F4356D17-FE2B-4A42-AE6B-E0B8894B79EA}" type="datetimeFigureOut">
               <a:rPr lang="en-US" smtClean="0"/>
-              <a:t>4/12/21</a:t>
+              <a:t>4/13/21</a:t>
             </a:fld>
             <a:endParaRPr lang="en-US"/>
           </a:p>
@@ -2898,7 +3560,7 @@
           <a:p>
             <a:fld id="{F4356D17-FE2B-4A42-AE6B-E0B8894B79EA}" type="datetimeFigureOut">
               <a:rPr lang="en-US" smtClean="0"/>
-              <a:t>4/12/21</a:t>
+              <a:t>4/13/21</a:t>
             </a:fld>
             <a:endParaRPr lang="en-US"/>
           </a:p>
@@ -3151,7 +3813,7 @@
           <a:p>
             <a:fld id="{F4356D17-FE2B-4A42-AE6B-E0B8894B79EA}" type="datetimeFigureOut">
               <a:rPr lang="en-US" smtClean="0"/>
-              <a:t>4/12/21</a:t>
+              <a:t>4/13/21</a:t>
             </a:fld>
             <a:endParaRPr lang="en-US"/>
           </a:p>
@@ -3364,7 +4026,7 @@
           <a:p>
             <a:fld id="{F4356D17-FE2B-4A42-AE6B-E0B8894B79EA}" type="datetimeFigureOut">
               <a:rPr lang="en-US" smtClean="0"/>
-              <a:t>4/12/21</a:t>
+              <a:t>4/13/21</a:t>
             </a:fld>
             <a:endParaRPr lang="en-US"/>
           </a:p>
@@ -3993,63 +4655,64 @@
         </p:nvSpPr>
         <p:spPr/>
         <p:txBody>
-          <a:bodyPr/>
-          <a:lstStyle/>
-          <a:p>
-            <a:r>
-              <a:rPr lang="en-NZ" dirty="0"/>
-              <a:t>What is TypeScipt?</a:t>
-            </a:r>
-          </a:p>
-          <a:p>
-            <a:r>
-              <a:rPr lang="en-NZ" dirty="0"/>
-              <a:t>Why do we require TypeScript?</a:t>
+          <a:bodyPr>
+            <a:normAutofit/>
+          </a:bodyPr>
+          <a:lstStyle/>
+          <a:p>
+            <a:r>
+              <a:rPr lang="en-NZ" sz="2400" dirty="0"/>
+              <a:t>What is TypeScript?</a:t>
+            </a:r>
+          </a:p>
+          <a:p>
+            <a:r>
+              <a:rPr lang="en-NZ" sz="2400" dirty="0"/>
+              <a:t>Benefits during development</a:t>
+            </a:r>
+          </a:p>
+          <a:p>
+            <a:r>
+              <a:rPr lang="en-NZ" sz="2400" dirty="0"/>
+              <a:t>Installing TypeScript through NodeJS</a:t>
+            </a:r>
+          </a:p>
+          <a:p>
+            <a:r>
+              <a:rPr lang="en-NZ" sz="2400" dirty="0"/>
+              <a:t>Features provided by TypeScript</a:t>
             </a:r>
           </a:p>
           <a:p>
             <a:pPr lvl="1"/>
             <a:r>
-              <a:rPr lang="en-NZ" dirty="0"/>
-              <a:t>Advantages over JavaScript in some scenarios.</a:t>
-            </a:r>
-          </a:p>
-          <a:p>
-            <a:r>
-              <a:rPr lang="en-NZ" dirty="0"/>
-              <a:t>Example of Slack</a:t>
-            </a:r>
-          </a:p>
-          <a:p>
-            <a:r>
-              <a:rPr lang="en-NZ" dirty="0"/>
-              <a:t>Features provided by TypeScript</a:t>
+              <a:rPr lang="en-NZ" sz="2000" dirty="0"/>
+              <a:t>Datatypes</a:t>
             </a:r>
           </a:p>
           <a:p>
             <a:pPr lvl="1"/>
             <a:r>
-              <a:rPr lang="en-NZ" dirty="0"/>
-              <a:t>Datatypes</a:t>
+              <a:rPr lang="en-NZ" sz="2000" dirty="0"/>
+              <a:t>Classes</a:t>
             </a:r>
           </a:p>
           <a:p>
             <a:pPr lvl="1"/>
             <a:r>
-              <a:rPr lang="en-NZ" dirty="0"/>
-              <a:t>Classes</a:t>
-            </a:r>
-          </a:p>
-          <a:p>
-            <a:pPr lvl="1"/>
-            <a:r>
-              <a:rPr lang="en-NZ" dirty="0"/>
+              <a:rPr lang="en-NZ" sz="2000" dirty="0"/>
               <a:t>Interfaces</a:t>
             </a:r>
           </a:p>
           <a:p>
             <a:r>
-              <a:rPr lang="en-NZ" dirty="0"/>
+              <a:rPr lang="en-NZ" sz="2400" dirty="0"/>
+              <a:t>Case Studies</a:t>
+            </a:r>
+          </a:p>
+          <a:p>
+            <a:r>
+              <a:rPr lang="en-NZ" sz="2400" dirty="0"/>
               <a:t>Migration Strategies</a:t>
             </a:r>
           </a:p>
@@ -4269,7 +4932,14 @@
                 <a:latin typeface="Segoe UI Light" panose="020B0502040204020203" pitchFamily="34" charset="0"/>
                 <a:cs typeface="Segoe UI Light" panose="020B0502040204020203" pitchFamily="34" charset="0"/>
               </a:rPr>
-              <a:t>What is TypeScript?</a:t>
+              <a:t>What is TypeScript? </a:t>
+            </a:r>
+            <a:r>
+              <a:rPr lang="en-US" sz="3000" dirty="0">
+                <a:latin typeface="Segoe UI Light" panose="020B0502040204020203" pitchFamily="34" charset="0"/>
+                <a:cs typeface="Segoe UI Light" panose="020B0502040204020203" pitchFamily="34" charset="0"/>
+              </a:rPr>
+              <a:t>🤔</a:t>
             </a:r>
           </a:p>
         </p:txBody>
@@ -4292,8 +4962,8 @@
         </p:nvSpPr>
         <p:spPr>
           <a:xfrm>
-            <a:off x="838200" y="1558636"/>
-            <a:ext cx="10515600" cy="4260273"/>
+            <a:off x="838200" y="1558637"/>
+            <a:ext cx="10515600" cy="637820"/>
           </a:xfrm>
         </p:spPr>
         <p:txBody>
@@ -4303,7 +4973,188 @@
             <a:pPr lvl="1"/>
             <a:r>
               <a:rPr lang="en-NZ" dirty="0"/>
-              <a:t>An open-source language by Microsoft that extends the features JavaScript.</a:t>
+              <a:t>An open-source language by Microsoft that extends the JavaScript syntax.</a:t>
+            </a:r>
+          </a:p>
+        </p:txBody>
+      </p:sp>
+      <p:sp>
+        <p:nvSpPr>
+          <p:cNvPr id="3" name="Oval 2">
+            <a:extLst>
+              <a:ext uri="{FF2B5EF4-FFF2-40B4-BE49-F238E27FC236}">
+                <a16:creationId xmlns:a16="http://schemas.microsoft.com/office/drawing/2014/main" id="{6B44FB40-17ED-4E42-8B5E-81AB4A8EAB6E}"/>
+              </a:ext>
+            </a:extLst>
+          </p:cNvPr>
+          <p:cNvSpPr/>
+          <p:nvPr/>
+        </p:nvSpPr>
+        <p:spPr>
+          <a:xfrm>
+            <a:off x="4575017" y="2512965"/>
+            <a:ext cx="3041965" cy="3041965"/>
+          </a:xfrm>
+          <a:prstGeom prst="ellipse">
+            <a:avLst/>
+          </a:prstGeom>
+          <a:solidFill>
+            <a:srgbClr val="337ACC"/>
+          </a:solidFill>
+          <a:ln>
+            <a:noFill/>
+          </a:ln>
+        </p:spPr>
+        <p:style>
+          <a:lnRef idx="2">
+            <a:schemeClr val="accent1">
+              <a:shade val="50000"/>
+            </a:schemeClr>
+          </a:lnRef>
+          <a:fillRef idx="1">
+            <a:schemeClr val="accent1"/>
+          </a:fillRef>
+          <a:effectRef idx="0">
+            <a:schemeClr val="accent1"/>
+          </a:effectRef>
+          <a:fontRef idx="minor">
+            <a:schemeClr val="lt1"/>
+          </a:fontRef>
+        </p:style>
+        <p:txBody>
+          <a:bodyPr rtlCol="0" anchor="ctr"/>
+          <a:lstStyle/>
+          <a:p>
+            <a:pPr algn="ctr"/>
+            <a:endParaRPr lang="en-US"/>
+          </a:p>
+        </p:txBody>
+      </p:sp>
+      <p:sp>
+        <p:nvSpPr>
+          <p:cNvPr id="7" name="Oval 6">
+            <a:extLst>
+              <a:ext uri="{FF2B5EF4-FFF2-40B4-BE49-F238E27FC236}">
+                <a16:creationId xmlns:a16="http://schemas.microsoft.com/office/drawing/2014/main" id="{9A9A7988-DF87-5A48-BE0A-F341BB1898C8}"/>
+              </a:ext>
+            </a:extLst>
+          </p:cNvPr>
+          <p:cNvSpPr/>
+          <p:nvPr/>
+        </p:nvSpPr>
+        <p:spPr>
+          <a:xfrm>
+            <a:off x="5271101" y="3662199"/>
+            <a:ext cx="1649794" cy="1649794"/>
+          </a:xfrm>
+          <a:prstGeom prst="ellipse">
+            <a:avLst/>
+          </a:prstGeom>
+          <a:solidFill>
+            <a:srgbClr val="F3DF4F"/>
+          </a:solidFill>
+          <a:ln>
+            <a:noFill/>
+          </a:ln>
+        </p:spPr>
+        <p:style>
+          <a:lnRef idx="2">
+            <a:schemeClr val="accent1">
+              <a:shade val="50000"/>
+            </a:schemeClr>
+          </a:lnRef>
+          <a:fillRef idx="1">
+            <a:schemeClr val="accent1"/>
+          </a:fillRef>
+          <a:effectRef idx="0">
+            <a:schemeClr val="accent1"/>
+          </a:effectRef>
+          <a:fontRef idx="minor">
+            <a:schemeClr val="lt1"/>
+          </a:fontRef>
+        </p:style>
+        <p:txBody>
+          <a:bodyPr rtlCol="0" anchor="ctr"/>
+          <a:lstStyle/>
+          <a:p>
+            <a:pPr algn="ctr"/>
+            <a:endParaRPr lang="en-US"/>
+          </a:p>
+        </p:txBody>
+      </p:sp>
+      <p:sp>
+        <p:nvSpPr>
+          <p:cNvPr id="5" name="TextBox 4">
+            <a:extLst>
+              <a:ext uri="{FF2B5EF4-FFF2-40B4-BE49-F238E27FC236}">
+                <a16:creationId xmlns:a16="http://schemas.microsoft.com/office/drawing/2014/main" id="{9AB82AA0-2E30-4443-9EFB-C2363A4D31CA}"/>
+              </a:ext>
+            </a:extLst>
+          </p:cNvPr>
+          <p:cNvSpPr txBox="1"/>
+          <p:nvPr/>
+        </p:nvSpPr>
+        <p:spPr>
+          <a:xfrm>
+            <a:off x="5765823" y="2929433"/>
+            <a:ext cx="660350" cy="584775"/>
+          </a:xfrm>
+          <a:prstGeom prst="rect">
+            <a:avLst/>
+          </a:prstGeom>
+          <a:noFill/>
+        </p:spPr>
+        <p:txBody>
+          <a:bodyPr wrap="square" rtlCol="0">
+            <a:spAutoFit/>
+          </a:bodyPr>
+          <a:lstStyle/>
+          <a:p>
+            <a:r>
+              <a:rPr lang="en-US" sz="3200" b="1" dirty="0">
+                <a:solidFill>
+                  <a:schemeClr val="bg1"/>
+                </a:solidFill>
+                <a:latin typeface="Avenir Heavy" panose="02000503020000020003" pitchFamily="2" charset="0"/>
+              </a:rPr>
+              <a:t>TS</a:t>
+            </a:r>
+          </a:p>
+        </p:txBody>
+      </p:sp>
+      <p:sp>
+        <p:nvSpPr>
+          <p:cNvPr id="12" name="TextBox 11">
+            <a:extLst>
+              <a:ext uri="{FF2B5EF4-FFF2-40B4-BE49-F238E27FC236}">
+                <a16:creationId xmlns:a16="http://schemas.microsoft.com/office/drawing/2014/main" id="{305491E9-78E6-7B45-8119-F316186B9697}"/>
+              </a:ext>
+            </a:extLst>
+          </p:cNvPr>
+          <p:cNvSpPr txBox="1"/>
+          <p:nvPr/>
+        </p:nvSpPr>
+        <p:spPr>
+          <a:xfrm>
+            <a:off x="5765823" y="4194708"/>
+            <a:ext cx="660350" cy="584775"/>
+          </a:xfrm>
+          <a:prstGeom prst="rect">
+            <a:avLst/>
+          </a:prstGeom>
+          <a:noFill/>
+        </p:spPr>
+        <p:txBody>
+          <a:bodyPr wrap="square" rtlCol="0">
+            <a:spAutoFit/>
+          </a:bodyPr>
+          <a:lstStyle/>
+          <a:p>
+            <a:r>
+              <a:rPr lang="en-US" sz="3200" b="1" dirty="0">
+                <a:latin typeface="Avenir Heavy" panose="02000503020000020003" pitchFamily="2" charset="0"/>
+              </a:rPr>
+              <a:t>JS</a:t>
             </a:r>
           </a:p>
         </p:txBody>
@@ -4325,6 +5176,501 @@
 </file>
 
 <file path=ppt/slides/slide5.xml><?xml version="1.0" encoding="utf-8"?>
+<p:sld xmlns:a="http://schemas.openxmlformats.org/drawingml/2006/main" xmlns:r="http://schemas.openxmlformats.org/officeDocument/2006/relationships" xmlns:p="http://schemas.openxmlformats.org/presentationml/2006/main">
+  <p:cSld>
+    <p:spTree>
+      <p:nvGrpSpPr>
+        <p:cNvPr id="1" name=""/>
+        <p:cNvGrpSpPr/>
+        <p:nvPr/>
+      </p:nvGrpSpPr>
+      <p:grpSpPr>
+        <a:xfrm>
+          <a:off x="0" y="0"/>
+          <a:ext cx="0" cy="0"/>
+          <a:chOff x="0" y="0"/>
+          <a:chExt cx="0" cy="0"/>
+        </a:xfrm>
+      </p:grpSpPr>
+      <p:sp>
+        <p:nvSpPr>
+          <p:cNvPr id="2" name="Title 1"/>
+          <p:cNvSpPr>
+            <a:spLocks noGrp="1"/>
+          </p:cNvSpPr>
+          <p:nvPr>
+            <p:ph type="title"/>
+          </p:nvPr>
+        </p:nvSpPr>
+        <p:spPr/>
+        <p:txBody>
+          <a:bodyPr/>
+          <a:lstStyle/>
+          <a:p>
+            <a:r>
+              <a:rPr lang="en-US" dirty="0">
+                <a:latin typeface="Segoe UI Light" panose="020B0502040204020203" pitchFamily="34" charset="0"/>
+                <a:cs typeface="Segoe UI Light" panose="020B0502040204020203" pitchFamily="34" charset="0"/>
+              </a:rPr>
+              <a:t>JavaScript </a:t>
+            </a:r>
+            <a:r>
+              <a:rPr lang="en-US" sz="3000" dirty="0">
+                <a:latin typeface="Segoe UI Light" panose="020B0502040204020203" pitchFamily="34" charset="0"/>
+                <a:cs typeface="Segoe UI Light" panose="020B0502040204020203" pitchFamily="34" charset="0"/>
+              </a:rPr>
+              <a:t>😃</a:t>
+            </a:r>
+          </a:p>
+        </p:txBody>
+      </p:sp>
+      <p:sp>
+        <p:nvSpPr>
+          <p:cNvPr id="4" name="Content Placeholder 2">
+            <a:extLst>
+              <a:ext uri="{FF2B5EF4-FFF2-40B4-BE49-F238E27FC236}">
+                <a16:creationId xmlns:a16="http://schemas.microsoft.com/office/drawing/2014/main" id="{51574508-0870-0542-B8A5-642BBA71B27C}"/>
+              </a:ext>
+            </a:extLst>
+          </p:cNvPr>
+          <p:cNvSpPr>
+            <a:spLocks noGrp="1"/>
+          </p:cNvSpPr>
+          <p:nvPr>
+            <p:ph idx="1"/>
+          </p:nvPr>
+        </p:nvSpPr>
+        <p:spPr>
+          <a:xfrm>
+            <a:off x="838200" y="1558637"/>
+            <a:ext cx="10515600" cy="1668039"/>
+          </a:xfrm>
+        </p:spPr>
+        <p:txBody>
+          <a:bodyPr>
+            <a:noAutofit/>
+          </a:bodyPr>
+          <a:lstStyle/>
+          <a:p>
+            <a:pPr lvl="1"/>
+            <a:r>
+              <a:rPr lang="en-NZ" dirty="0"/>
+              <a:t>Powerful language which allows the developers to make dynamic websites.</a:t>
+            </a:r>
+          </a:p>
+          <a:p>
+            <a:pPr lvl="2"/>
+            <a:r>
+              <a:rPr lang="en-NZ" dirty="0"/>
+              <a:t>Event Listeners</a:t>
+            </a:r>
+          </a:p>
+          <a:p>
+            <a:pPr lvl="2"/>
+            <a:r>
+              <a:rPr lang="en-NZ" dirty="0"/>
+              <a:t>D.O.M Manipulation</a:t>
+            </a:r>
+          </a:p>
+          <a:p>
+            <a:pPr lvl="2"/>
+            <a:r>
+              <a:rPr lang="en-NZ" dirty="0"/>
+              <a:t>Animations or Interactivity (e.g. Hamburger Menus)</a:t>
+            </a:r>
+          </a:p>
+        </p:txBody>
+      </p:sp>
+    </p:spTree>
+    <p:custDataLst>
+      <p:tags r:id="rId1"/>
+    </p:custDataLst>
+    <p:extLst>
+      <p:ext uri="{BB962C8B-B14F-4D97-AF65-F5344CB8AC3E}">
+        <p14:creationId xmlns:p14="http://schemas.microsoft.com/office/powerpoint/2010/main" val="3865466303"/>
+      </p:ext>
+    </p:extLst>
+  </p:cSld>
+  <p:clrMapOvr>
+    <a:masterClrMapping/>
+  </p:clrMapOvr>
+</p:sld>
+</file>
+
+<file path=ppt/slides/slide6.xml><?xml version="1.0" encoding="utf-8"?>
+<p:sld xmlns:a="http://schemas.openxmlformats.org/drawingml/2006/main" xmlns:r="http://schemas.openxmlformats.org/officeDocument/2006/relationships" xmlns:p="http://schemas.openxmlformats.org/presentationml/2006/main">
+  <p:cSld>
+    <p:spTree>
+      <p:nvGrpSpPr>
+        <p:cNvPr id="1" name=""/>
+        <p:cNvGrpSpPr/>
+        <p:nvPr/>
+      </p:nvGrpSpPr>
+      <p:grpSpPr>
+        <a:xfrm>
+          <a:off x="0" y="0"/>
+          <a:ext cx="0" cy="0"/>
+          <a:chOff x="0" y="0"/>
+          <a:chExt cx="0" cy="0"/>
+        </a:xfrm>
+      </p:grpSpPr>
+      <p:sp>
+        <p:nvSpPr>
+          <p:cNvPr id="2" name="Title 1"/>
+          <p:cNvSpPr>
+            <a:spLocks noGrp="1"/>
+          </p:cNvSpPr>
+          <p:nvPr>
+            <p:ph type="title"/>
+          </p:nvPr>
+        </p:nvSpPr>
+        <p:spPr/>
+        <p:txBody>
+          <a:bodyPr/>
+          <a:lstStyle/>
+          <a:p>
+            <a:r>
+              <a:rPr lang="en-US" dirty="0">
+                <a:latin typeface="Segoe UI Light" panose="020B0502040204020203" pitchFamily="34" charset="0"/>
+                <a:cs typeface="Segoe UI Light" panose="020B0502040204020203" pitchFamily="34" charset="0"/>
+              </a:rPr>
+              <a:t>JavaScript </a:t>
+            </a:r>
+            <a:r>
+              <a:rPr lang="en-US" sz="3000" dirty="0">
+                <a:latin typeface="Segoe UI Light" panose="020B0502040204020203" pitchFamily="34" charset="0"/>
+                <a:cs typeface="Segoe UI Light" panose="020B0502040204020203" pitchFamily="34" charset="0"/>
+              </a:rPr>
+              <a:t>😃</a:t>
+            </a:r>
+          </a:p>
+        </p:txBody>
+      </p:sp>
+      <p:pic>
+        <p:nvPicPr>
+          <p:cNvPr id="6" name="Picture 5">
+            <a:extLst>
+              <a:ext uri="{FF2B5EF4-FFF2-40B4-BE49-F238E27FC236}">
+                <a16:creationId xmlns:a16="http://schemas.microsoft.com/office/drawing/2014/main" id="{401DEF35-88B4-A34B-AA67-F7E8F8845EC9}"/>
+              </a:ext>
+            </a:extLst>
+          </p:cNvPr>
+          <p:cNvPicPr>
+            <a:picLocks noChangeAspect="1"/>
+          </p:cNvPicPr>
+          <p:nvPr/>
+        </p:nvPicPr>
+        <p:blipFill>
+          <a:blip r:embed="rId4"/>
+          <a:stretch>
+            <a:fillRect/>
+          </a:stretch>
+        </p:blipFill>
+        <p:spPr>
+          <a:xfrm>
+            <a:off x="4273529" y="1371600"/>
+            <a:ext cx="3644942" cy="4393142"/>
+          </a:xfrm>
+          <a:prstGeom prst="rect">
+            <a:avLst/>
+          </a:prstGeom>
+        </p:spPr>
+      </p:pic>
+    </p:spTree>
+    <p:custDataLst>
+      <p:tags r:id="rId1"/>
+    </p:custDataLst>
+    <p:extLst>
+      <p:ext uri="{BB962C8B-B14F-4D97-AF65-F5344CB8AC3E}">
+        <p14:creationId xmlns:p14="http://schemas.microsoft.com/office/powerpoint/2010/main" val="894881918"/>
+      </p:ext>
+    </p:extLst>
+  </p:cSld>
+  <p:clrMapOvr>
+    <a:masterClrMapping/>
+  </p:clrMapOvr>
+</p:sld>
+</file>
+
+<file path=ppt/slides/slide7.xml><?xml version="1.0" encoding="utf-8"?>
+<p:sld xmlns:a="http://schemas.openxmlformats.org/drawingml/2006/main" xmlns:r="http://schemas.openxmlformats.org/officeDocument/2006/relationships" xmlns:p="http://schemas.openxmlformats.org/presentationml/2006/main">
+  <p:cSld>
+    <p:spTree>
+      <p:nvGrpSpPr>
+        <p:cNvPr id="1" name=""/>
+        <p:cNvGrpSpPr/>
+        <p:nvPr/>
+      </p:nvGrpSpPr>
+      <p:grpSpPr>
+        <a:xfrm>
+          <a:off x="0" y="0"/>
+          <a:ext cx="0" cy="0"/>
+          <a:chOff x="0" y="0"/>
+          <a:chExt cx="0" cy="0"/>
+        </a:xfrm>
+      </p:grpSpPr>
+      <p:sp>
+        <p:nvSpPr>
+          <p:cNvPr id="2" name="Title 1"/>
+          <p:cNvSpPr>
+            <a:spLocks noGrp="1"/>
+          </p:cNvSpPr>
+          <p:nvPr>
+            <p:ph type="title"/>
+          </p:nvPr>
+        </p:nvSpPr>
+        <p:spPr/>
+        <p:txBody>
+          <a:bodyPr>
+            <a:normAutofit/>
+          </a:bodyPr>
+          <a:lstStyle/>
+          <a:p>
+            <a:r>
+              <a:rPr lang="en-US" dirty="0">
+                <a:latin typeface="Segoe UI Light" panose="020B0502040204020203" pitchFamily="34" charset="0"/>
+                <a:cs typeface="Segoe UI Light" panose="020B0502040204020203" pitchFamily="34" charset="0"/>
+              </a:rPr>
+              <a:t>Problems with JavaScript </a:t>
+            </a:r>
+            <a:r>
+              <a:rPr lang="en-US" sz="3000" dirty="0">
+                <a:latin typeface="Segoe UI Light" panose="020B0502040204020203" pitchFamily="34" charset="0"/>
+                <a:cs typeface="Segoe UI Light" panose="020B0502040204020203" pitchFamily="34" charset="0"/>
+              </a:rPr>
+              <a:t>👿</a:t>
+            </a:r>
+            <a:r>
+              <a:rPr lang="en-US" dirty="0">
+                <a:latin typeface="Segoe UI Light" panose="020B0502040204020203" pitchFamily="34" charset="0"/>
+                <a:cs typeface="Segoe UI Light" panose="020B0502040204020203" pitchFamily="34" charset="0"/>
+              </a:rPr>
+              <a:t> </a:t>
+            </a:r>
+          </a:p>
+        </p:txBody>
+      </p:sp>
+      <p:sp>
+        <p:nvSpPr>
+          <p:cNvPr id="4" name="Content Placeholder 2">
+            <a:extLst>
+              <a:ext uri="{FF2B5EF4-FFF2-40B4-BE49-F238E27FC236}">
+                <a16:creationId xmlns:a16="http://schemas.microsoft.com/office/drawing/2014/main" id="{ADEFB543-EA29-B24E-9E4A-3FF25C6A333C}"/>
+              </a:ext>
+            </a:extLst>
+          </p:cNvPr>
+          <p:cNvSpPr>
+            <a:spLocks noGrp="1"/>
+          </p:cNvSpPr>
+          <p:nvPr>
+            <p:ph idx="1"/>
+          </p:nvPr>
+        </p:nvSpPr>
+        <p:spPr>
+          <a:xfrm>
+            <a:off x="838200" y="1558637"/>
+            <a:ext cx="10515600" cy="467871"/>
+          </a:xfrm>
+        </p:spPr>
+        <p:txBody>
+          <a:bodyPr>
+            <a:noAutofit/>
+          </a:bodyPr>
+          <a:lstStyle/>
+          <a:p>
+            <a:pPr lvl="1"/>
+            <a:r>
+              <a:rPr lang="en-NZ" dirty="0"/>
+              <a:t>You may ask, where exactly does TypeScript fit into the picture?</a:t>
+            </a:r>
+          </a:p>
+        </p:txBody>
+      </p:sp>
+      <p:pic>
+        <p:nvPicPr>
+          <p:cNvPr id="7" name="Picture 6">
+            <a:extLst>
+              <a:ext uri="{FF2B5EF4-FFF2-40B4-BE49-F238E27FC236}">
+                <a16:creationId xmlns:a16="http://schemas.microsoft.com/office/drawing/2014/main" id="{1298C3EC-A735-2949-B13E-2454F1D0333E}"/>
+              </a:ext>
+            </a:extLst>
+          </p:cNvPr>
+          <p:cNvPicPr>
+            <a:picLocks noChangeAspect="1"/>
+          </p:cNvPicPr>
+          <p:nvPr/>
+        </p:nvPicPr>
+        <p:blipFill rotWithShape="1">
+          <a:blip r:embed="rId4"/>
+          <a:srcRect t="5236" b="9468"/>
+          <a:stretch/>
+        </p:blipFill>
+        <p:spPr>
+          <a:xfrm>
+            <a:off x="3529913" y="2213545"/>
+            <a:ext cx="5132173" cy="3595816"/>
+          </a:xfrm>
+          <a:prstGeom prst="rect">
+            <a:avLst/>
+          </a:prstGeom>
+        </p:spPr>
+      </p:pic>
+    </p:spTree>
+    <p:custDataLst>
+      <p:tags r:id="rId1"/>
+    </p:custDataLst>
+    <p:extLst>
+      <p:ext uri="{BB962C8B-B14F-4D97-AF65-F5344CB8AC3E}">
+        <p14:creationId xmlns:p14="http://schemas.microsoft.com/office/powerpoint/2010/main" val="3120367477"/>
+      </p:ext>
+    </p:extLst>
+  </p:cSld>
+  <p:clrMapOvr>
+    <a:masterClrMapping/>
+  </p:clrMapOvr>
+</p:sld>
+</file>
+
+<file path=ppt/slides/slide8.xml><?xml version="1.0" encoding="utf-8"?>
+<p:sld xmlns:a="http://schemas.openxmlformats.org/drawingml/2006/main" xmlns:r="http://schemas.openxmlformats.org/officeDocument/2006/relationships" xmlns:p="http://schemas.openxmlformats.org/presentationml/2006/main">
+  <p:cSld>
+    <p:spTree>
+      <p:nvGrpSpPr>
+        <p:cNvPr id="1" name=""/>
+        <p:cNvGrpSpPr/>
+        <p:nvPr/>
+      </p:nvGrpSpPr>
+      <p:grpSpPr>
+        <a:xfrm>
+          <a:off x="0" y="0"/>
+          <a:ext cx="0" cy="0"/>
+          <a:chOff x="0" y="0"/>
+          <a:chExt cx="0" cy="0"/>
+        </a:xfrm>
+      </p:grpSpPr>
+      <p:sp>
+        <p:nvSpPr>
+          <p:cNvPr id="2" name="Title 1"/>
+          <p:cNvSpPr>
+            <a:spLocks noGrp="1"/>
+          </p:cNvSpPr>
+          <p:nvPr>
+            <p:ph type="title"/>
+          </p:nvPr>
+        </p:nvSpPr>
+        <p:spPr/>
+        <p:txBody>
+          <a:bodyPr>
+            <a:normAutofit/>
+          </a:bodyPr>
+          <a:lstStyle/>
+          <a:p>
+            <a:r>
+              <a:rPr lang="en-US" dirty="0">
+                <a:latin typeface="Segoe UI Light" panose="020B0502040204020203" pitchFamily="34" charset="0"/>
+                <a:cs typeface="Segoe UI Light" panose="020B0502040204020203" pitchFamily="34" charset="0"/>
+              </a:rPr>
+              <a:t>Problems with JavaScript </a:t>
+            </a:r>
+            <a:r>
+              <a:rPr lang="en-US" sz="3000" dirty="0">
+                <a:latin typeface="Segoe UI Light" panose="020B0502040204020203" pitchFamily="34" charset="0"/>
+                <a:cs typeface="Segoe UI Light" panose="020B0502040204020203" pitchFamily="34" charset="0"/>
+              </a:rPr>
+              <a:t>👿</a:t>
+            </a:r>
+            <a:r>
+              <a:rPr lang="en-US" dirty="0">
+                <a:latin typeface="Segoe UI Light" panose="020B0502040204020203" pitchFamily="34" charset="0"/>
+                <a:cs typeface="Segoe UI Light" panose="020B0502040204020203" pitchFamily="34" charset="0"/>
+              </a:rPr>
+              <a:t> </a:t>
+            </a:r>
+          </a:p>
+        </p:txBody>
+      </p:sp>
+      <p:sp>
+        <p:nvSpPr>
+          <p:cNvPr id="4" name="Content Placeholder 2">
+            <a:extLst>
+              <a:ext uri="{FF2B5EF4-FFF2-40B4-BE49-F238E27FC236}">
+                <a16:creationId xmlns:a16="http://schemas.microsoft.com/office/drawing/2014/main" id="{ADEFB543-EA29-B24E-9E4A-3FF25C6A333C}"/>
+              </a:ext>
+            </a:extLst>
+          </p:cNvPr>
+          <p:cNvSpPr>
+            <a:spLocks noGrp="1"/>
+          </p:cNvSpPr>
+          <p:nvPr>
+            <p:ph idx="1"/>
+          </p:nvPr>
+        </p:nvSpPr>
+        <p:spPr>
+          <a:xfrm>
+            <a:off x="838200" y="1558637"/>
+            <a:ext cx="10515600" cy="467871"/>
+          </a:xfrm>
+        </p:spPr>
+        <p:txBody>
+          <a:bodyPr>
+            <a:noAutofit/>
+          </a:bodyPr>
+          <a:lstStyle/>
+          <a:p>
+            <a:pPr lvl="1"/>
+            <a:r>
+              <a:rPr lang="en-NZ" dirty="0"/>
+              <a:t>You may ask, where exactly does TypeScript fit into the picture?</a:t>
+            </a:r>
+          </a:p>
+        </p:txBody>
+      </p:sp>
+      <p:pic>
+        <p:nvPicPr>
+          <p:cNvPr id="8" name="Picture 7">
+            <a:extLst>
+              <a:ext uri="{FF2B5EF4-FFF2-40B4-BE49-F238E27FC236}">
+                <a16:creationId xmlns:a16="http://schemas.microsoft.com/office/drawing/2014/main" id="{EB58B736-9F8D-2244-9648-EC6DB2879CBD}"/>
+              </a:ext>
+            </a:extLst>
+          </p:cNvPr>
+          <p:cNvPicPr>
+            <a:picLocks noChangeAspect="1"/>
+          </p:cNvPicPr>
+          <p:nvPr/>
+        </p:nvPicPr>
+        <p:blipFill rotWithShape="1">
+          <a:blip r:embed="rId4"/>
+          <a:srcRect l="7064" t="7168" r="8630" b="8225"/>
+          <a:stretch/>
+        </p:blipFill>
+        <p:spPr>
+          <a:xfrm>
+            <a:off x="3952103" y="2287685"/>
+            <a:ext cx="4287794" cy="3374001"/>
+          </a:xfrm>
+          <a:prstGeom prst="rect">
+            <a:avLst/>
+          </a:prstGeom>
+        </p:spPr>
+      </p:pic>
+    </p:spTree>
+    <p:custDataLst>
+      <p:tags r:id="rId1"/>
+    </p:custDataLst>
+    <p:extLst>
+      <p:ext uri="{BB962C8B-B14F-4D97-AF65-F5344CB8AC3E}">
+        <p14:creationId xmlns:p14="http://schemas.microsoft.com/office/powerpoint/2010/main" val="4010143426"/>
+      </p:ext>
+    </p:extLst>
+  </p:cSld>
+  <p:clrMapOvr>
+    <a:masterClrMapping/>
+  </p:clrMapOvr>
+</p:sld>
+</file>
+
+<file path=ppt/slides/slide9.xml><?xml version="1.0" encoding="utf-8"?>
 <p:sld xmlns:a="http://schemas.openxmlformats.org/drawingml/2006/main" xmlns:r="http://schemas.openxmlformats.org/officeDocument/2006/relationships" xmlns:p="http://schemas.openxmlformats.org/presentationml/2006/main">
   <p:cSld>
     <p:spTree>
@@ -4454,6 +5800,34 @@
 </file>
 
 <file path=ppt/tags/tag5.xml><?xml version="1.0" encoding="utf-8"?>
+<p:tagLst xmlns:a="http://schemas.openxmlformats.org/drawingml/2006/main" xmlns:r="http://schemas.openxmlformats.org/officeDocument/2006/relationships" xmlns:p="http://schemas.openxmlformats.org/presentationml/2006/main">
+  <p:tag name="POINTS" val="1"/>
+  <p:tag name="TIME" val="15"/>
+</p:tagLst>
+</file>
+
+<file path=ppt/tags/tag6.xml><?xml version="1.0" encoding="utf-8"?>
+<p:tagLst xmlns:a="http://schemas.openxmlformats.org/drawingml/2006/main" xmlns:r="http://schemas.openxmlformats.org/officeDocument/2006/relationships" xmlns:p="http://schemas.openxmlformats.org/presentationml/2006/main">
+  <p:tag name="POINTS" val="1"/>
+  <p:tag name="TIME" val="15"/>
+</p:tagLst>
+</file>
+
+<file path=ppt/tags/tag7.xml><?xml version="1.0" encoding="utf-8"?>
+<p:tagLst xmlns:a="http://schemas.openxmlformats.org/drawingml/2006/main" xmlns:r="http://schemas.openxmlformats.org/officeDocument/2006/relationships" xmlns:p="http://schemas.openxmlformats.org/presentationml/2006/main">
+  <p:tag name="POINTS" val="1"/>
+  <p:tag name="TIME" val="15"/>
+</p:tagLst>
+</file>
+
+<file path=ppt/tags/tag8.xml><?xml version="1.0" encoding="utf-8"?>
+<p:tagLst xmlns:a="http://schemas.openxmlformats.org/drawingml/2006/main" xmlns:r="http://schemas.openxmlformats.org/officeDocument/2006/relationships" xmlns:p="http://schemas.openxmlformats.org/presentationml/2006/main">
+  <p:tag name="POINTS" val="1"/>
+  <p:tag name="TIME" val="15"/>
+</p:tagLst>
+</file>
+
+<file path=ppt/tags/tag9.xml><?xml version="1.0" encoding="utf-8"?>
 <p:tagLst xmlns:a="http://schemas.openxmlformats.org/drawingml/2006/main" xmlns:r="http://schemas.openxmlformats.org/officeDocument/2006/relationships" xmlns:p="http://schemas.openxmlformats.org/presentationml/2006/main">
   <p:tag name="POINTS" val="1"/>
   <p:tag name="TIME" val="15"/>
